--- a/Swift short term optimizer.pptx
+++ b/Swift short term optimizer.pptx
@@ -3554,51 +3554,19 @@
           <a:p>
             <a:r>
               <a:rPr lang="en-US" dirty="0" smtClean="0"/>
-              <a:t>Two Fb Targets: </a:t>
-            </a:r>
-            <a:r>
-              <a:rPr lang="en-US" dirty="0" smtClean="0"/>
-              <a:t>925 </a:t>
-            </a:r>
-            <a:r>
-              <a:rPr lang="en-US" dirty="0" smtClean="0"/>
-              <a:t>and </a:t>
-            </a:r>
-            <a:r>
-              <a:rPr lang="en-US" dirty="0" smtClean="0"/>
-              <a:t>935 </a:t>
-            </a:r>
-          </a:p>
-          <a:p>
-            <a:r>
-              <a:rPr lang="en-US" dirty="0" smtClean="0"/>
-              <a:t>Random </a:t>
-            </a:r>
-            <a:r>
-              <a:rPr lang="en-US" dirty="0" smtClean="0"/>
-              <a:t>Generation Targets</a:t>
-            </a:r>
-          </a:p>
-          <a:p>
-            <a:r>
-              <a:rPr lang="en-US" dirty="0" smtClean="0"/>
-              <a:t>2</a:t>
-            </a:r>
-            <a:r>
-              <a:rPr lang="en-US" dirty="0" smtClean="0"/>
-              <a:t>-5 </a:t>
-            </a:r>
-            <a:r>
-              <a:rPr lang="en-US" dirty="0" smtClean="0"/>
-              <a:t>minutes to find a decent solution for an </a:t>
-            </a:r>
-            <a:r>
-              <a:rPr lang="en-US" dirty="0" smtClean="0"/>
-              <a:t>3-month model </a:t>
-            </a:r>
-            <a:r>
-              <a:rPr lang="en-US" dirty="0" smtClean="0"/>
-              <a:t>with daily gen targets</a:t>
+              <a:t>Two Fb Targets: 925 and 935 </a:t>
+            </a:r>
+          </a:p>
+          <a:p>
+            <a:r>
+              <a:rPr lang="en-US" dirty="0" smtClean="0"/>
+              <a:t>Random Generation Targets</a:t>
+            </a:r>
+          </a:p>
+          <a:p>
+            <a:r>
+              <a:rPr lang="en-US" dirty="0" smtClean="0"/>
+              <a:t>2-5 minutes to find a decent solution for an 3-month model with daily gen targets</a:t>
             </a:r>
           </a:p>
           <a:p>
@@ -3820,15 +3788,7 @@
             <a:pPr lvl="1"/>
             <a:r>
               <a:rPr lang="en-US" dirty="0" smtClean="0"/>
-              <a:t>Content </a:t>
-            </a:r>
-            <a:r>
-              <a:rPr lang="en-US" dirty="0" smtClean="0"/>
-              <a:t>function is not </a:t>
-            </a:r>
-            <a:r>
-              <a:rPr lang="en-US" dirty="0" smtClean="0"/>
-              <a:t>linear or quadratic</a:t>
+              <a:t>Content function is not linear or quadratic</a:t>
             </a:r>
           </a:p>
           <a:p>
@@ -3848,11 +3808,7 @@
           <a:p>
             <a:r>
               <a:rPr lang="en-US" dirty="0" smtClean="0"/>
-              <a:t>Any </a:t>
-            </a:r>
-            <a:r>
-              <a:rPr lang="en-US" dirty="0" smtClean="0"/>
-              <a:t>other PUD with dispatch-able hydro project?</a:t>
+              <a:t>Any other PUD with dispatch-able hydro project?</a:t>
             </a:r>
           </a:p>
         </p:txBody>
@@ -3999,15 +3955,7 @@
           <a:p>
             <a:r>
               <a:rPr lang="en-US" dirty="0" smtClean="0"/>
-              <a:t>A short term optimizer that can optimize the daily generation for a given period </a:t>
-            </a:r>
-            <a:r>
-              <a:rPr lang="en-US" dirty="0" smtClean="0"/>
-              <a:t>(one </a:t>
-            </a:r>
-            <a:r>
-              <a:rPr lang="en-US" dirty="0" smtClean="0"/>
-              <a:t>month up to a year)</a:t>
+              <a:t>A short term optimizer that can optimize the daily generation for a given period (one month up to a year)</a:t>
             </a:r>
           </a:p>
           <a:p>
@@ -4077,13 +4025,8 @@
           <a:p>
             <a:r>
               <a:rPr lang="en-US" dirty="0" smtClean="0"/>
-              <a:t>A perfect opportunity to study </a:t>
-            </a:r>
-            <a:r>
-              <a:rPr lang="en-US" dirty="0" smtClean="0"/>
-              <a:t>quadratic optimization</a:t>
-            </a:r>
-            <a:endParaRPr lang="en-US" dirty="0" smtClean="0"/>
+              <a:t>A perfect opportunity to study quadratic optimization</a:t>
+            </a:r>
           </a:p>
           <a:p>
             <a:pPr lvl="1"/>
@@ -4229,11 +4172,7 @@
             </a:r>
             <a:r>
               <a:rPr lang="en-US" dirty="0" smtClean="0"/>
-              <a:t> = </a:t>
-            </a:r>
-            <a:r>
-              <a:rPr lang="en-US" dirty="0" smtClean="0"/>
-              <a:t>0.0078Fb</a:t>
+              <a:t> = 0.0078Fb</a:t>
             </a:r>
             <a:r>
               <a:rPr lang="en-US" baseline="30000" dirty="0"/>
@@ -4323,11 +4262,7 @@
           <a:p>
             <a:r>
               <a:rPr lang="en-US" dirty="0" smtClean="0"/>
-              <a:t>Gen </a:t>
-            </a:r>
-            <a:r>
-              <a:rPr lang="en-US" dirty="0" smtClean="0"/>
-              <a:t>= </a:t>
+              <a:t>Gen = </a:t>
             </a:r>
             <a:r>
               <a:rPr lang="en-US" dirty="0" err="1" smtClean="0"/>
@@ -4546,20 +4481,16 @@
           <a:p>
             <a:pPr lvl="1"/>
             <a:r>
-              <a:rPr lang="en-US" dirty="0" smtClean="0"/>
-              <a:t>\</a:t>
-            </a:r>
-            <a:r>
-              <a:rPr lang="en-US" dirty="0" err="1" smtClean="0"/>
-              <a:t>sum_i</a:t>
-            </a:r>
-            <a:r>
-              <a:rPr lang="en-US" dirty="0" smtClean="0"/>
-              <a:t> (Prices[</a:t>
-            </a:r>
-            <a:r>
-              <a:rPr lang="en-US" dirty="0" err="1" smtClean="0"/>
-              <a:t>i</a:t>
+              <a:rPr lang="el-GR" dirty="0" smtClean="0"/>
+              <a:t>Σ</a:t>
+            </a:r>
+            <a:r>
+              <a:rPr lang="en-US" baseline="-25000" dirty="0"/>
+              <a:t>i </a:t>
+            </a:r>
+            <a:r>
+              <a:rPr lang="en-US" dirty="0" smtClean="0"/>
+              <a:t>(Prices[i</a:t>
             </a:r>
             <a:r>
               <a:rPr lang="en-US" dirty="0" smtClean="0"/>
@@ -4571,15 +4502,7 @@
             </a:r>
             <a:r>
               <a:rPr lang="en-US" dirty="0" smtClean="0"/>
-              <a:t>[</a:t>
-            </a:r>
-            <a:r>
-              <a:rPr lang="en-US" dirty="0" err="1" smtClean="0"/>
-              <a:t>i</a:t>
-            </a:r>
-            <a:r>
-              <a:rPr lang="en-US" dirty="0" smtClean="0"/>
-              <a:t>] * </a:t>
+              <a:t>[i] * </a:t>
             </a:r>
             <a:r>
               <a:rPr lang="en-US" dirty="0" err="1" smtClean="0"/>
@@ -4587,23 +4510,7 @@
             </a:r>
             <a:r>
               <a:rPr lang="en-US" dirty="0" smtClean="0"/>
-              <a:t>[</a:t>
-            </a:r>
-            <a:r>
-              <a:rPr lang="en-US" dirty="0" err="1" smtClean="0"/>
-              <a:t>i</a:t>
-            </a:r>
-            <a:r>
-              <a:rPr lang="en-US" dirty="0" smtClean="0"/>
-              <a:t>]), </a:t>
-            </a:r>
-            <a:r>
-              <a:rPr lang="en-US" dirty="0" err="1" smtClean="0"/>
-              <a:t>i</a:t>
-            </a:r>
-            <a:r>
-              <a:rPr lang="en-US" dirty="0" smtClean="0"/>
-              <a:t> = 1,…,n</a:t>
+              <a:t>[i]), i = 1,…,n</a:t>
             </a:r>
           </a:p>
           <a:p>
@@ -4635,16 +4542,12 @@
           <a:p>
             <a:pPr marL="457200" lvl="2"/>
             <a:r>
-              <a:rPr lang="en-US" dirty="0"/>
-              <a:t>\</a:t>
-            </a:r>
-            <a:r>
-              <a:rPr lang="en-US" dirty="0" err="1"/>
-              <a:t>sum_i</a:t>
-            </a:r>
-            <a:r>
-              <a:rPr lang="en-US" dirty="0"/>
-              <a:t> </a:t>
+              <a:rPr lang="el-GR" dirty="0" smtClean="0"/>
+              <a:t>Σ</a:t>
+            </a:r>
+            <a:r>
+              <a:rPr lang="en-US" baseline="-25000" dirty="0"/>
+              <a:t>i</a:t>
             </a:r>
             <a:r>
               <a:rPr lang="en-US" dirty="0" smtClean="0"/>
@@ -4656,11 +4559,7 @@
             </a:r>
             <a:r>
               <a:rPr lang="en-US" dirty="0" smtClean="0"/>
-              <a:t>[</a:t>
-            </a:r>
-            <a:r>
-              <a:rPr lang="en-US" dirty="0" err="1" smtClean="0"/>
-              <a:t>i</a:t>
+              <a:t>[i</a:t>
             </a:r>
             <a:r>
               <a:rPr lang="en-US" dirty="0"/>
@@ -4672,11 +4571,7 @@
             </a:r>
             <a:r>
               <a:rPr lang="en-US" dirty="0" smtClean="0"/>
-              <a:t>[</a:t>
-            </a:r>
-            <a:r>
-              <a:rPr lang="en-US" dirty="0" err="1" smtClean="0"/>
-              <a:t>i</a:t>
+              <a:t>[i</a:t>
             </a:r>
             <a:r>
               <a:rPr lang="en-US" dirty="0"/>
@@ -4688,11 +4583,7 @@
             </a:r>
             <a:r>
               <a:rPr lang="en-US" dirty="0" smtClean="0"/>
-              <a:t>[</a:t>
-            </a:r>
-            <a:r>
-              <a:rPr lang="en-US" dirty="0" err="1" smtClean="0"/>
-              <a:t>i</a:t>
+              <a:t>[i</a:t>
             </a:r>
             <a:r>
               <a:rPr lang="en-US" dirty="0"/>
@@ -4722,16 +4613,12 @@
               <a:buSzPct val="85000"/>
             </a:pPr>
             <a:r>
-              <a:rPr lang="en-US" dirty="0"/>
-              <a:t>\</a:t>
-            </a:r>
-            <a:r>
-              <a:rPr lang="en-US" dirty="0" err="1"/>
-              <a:t>sum_i</a:t>
-            </a:r>
-            <a:r>
-              <a:rPr lang="en-US" dirty="0"/>
-              <a:t> </a:t>
+              <a:rPr lang="el-GR" dirty="0" smtClean="0"/>
+              <a:t>Σ</a:t>
+            </a:r>
+            <a:r>
+              <a:rPr lang="en-US" baseline="-25000" dirty="0"/>
+              <a:t>i </a:t>
             </a:r>
             <a:r>
               <a:rPr lang="en-US" dirty="0" smtClean="0"/>
@@ -4743,11 +4630,7 @@
             </a:r>
             <a:r>
               <a:rPr lang="en-US" dirty="0" smtClean="0"/>
-              <a:t>[</a:t>
-            </a:r>
-            <a:r>
-              <a:rPr lang="en-US" dirty="0" err="1" smtClean="0"/>
-              <a:t>i</a:t>
+              <a:t>[i</a:t>
             </a:r>
             <a:r>
               <a:rPr lang="en-US" dirty="0"/>
@@ -4767,11 +4650,7 @@
             </a:r>
             <a:r>
               <a:rPr lang="en-US" dirty="0" smtClean="0"/>
-              <a:t>Gen[</a:t>
-            </a:r>
-            <a:r>
-              <a:rPr lang="en-US" dirty="0" err="1" smtClean="0"/>
-              <a:t>i</a:t>
+              <a:t>Gen[i</a:t>
             </a:r>
             <a:r>
               <a:rPr lang="en-US" dirty="0"/>
@@ -4783,11 +4662,7 @@
             </a:r>
             <a:r>
               <a:rPr lang="en-US" dirty="0" smtClean="0"/>
-              <a:t>[</a:t>
-            </a:r>
-            <a:r>
-              <a:rPr lang="en-US" dirty="0" err="1" smtClean="0"/>
-              <a:t>i</a:t>
+              <a:t>[i</a:t>
             </a:r>
             <a:r>
               <a:rPr lang="en-US" dirty="0"/>
@@ -4916,20 +4791,16 @@
           <a:p>
             <a:pPr marL="457200" lvl="2"/>
             <a:r>
-              <a:rPr lang="en-US" dirty="0"/>
-              <a:t>\</a:t>
-            </a:r>
-            <a:r>
-              <a:rPr lang="en-US" dirty="0" err="1"/>
-              <a:t>sum_i</a:t>
-            </a:r>
-            <a:r>
-              <a:rPr lang="en-US" dirty="0"/>
-              <a:t> (Prices[</a:t>
-            </a:r>
-            <a:r>
-              <a:rPr lang="en-US" dirty="0" err="1"/>
-              <a:t>i</a:t>
+              <a:rPr lang="el-GR" dirty="0" smtClean="0"/>
+              <a:t>Σ</a:t>
+            </a:r>
+            <a:r>
+              <a:rPr lang="en-US" baseline="-25000" dirty="0"/>
+              <a:t>i </a:t>
+            </a:r>
+            <a:r>
+              <a:rPr lang="en-US" dirty="0" smtClean="0"/>
+              <a:t>(Prices[i</a:t>
             </a:r>
             <a:r>
               <a:rPr lang="en-US" dirty="0"/>
@@ -4941,15 +4812,7 @@
             </a:r>
             <a:r>
               <a:rPr lang="en-US" dirty="0"/>
-              <a:t>[</a:t>
-            </a:r>
-            <a:r>
-              <a:rPr lang="en-US" dirty="0" err="1"/>
-              <a:t>i</a:t>
-            </a:r>
-            <a:r>
-              <a:rPr lang="en-US" dirty="0"/>
-              <a:t>] * </a:t>
+              <a:t>[i] * </a:t>
             </a:r>
             <a:r>
               <a:rPr lang="en-US" dirty="0" err="1"/>
@@ -4957,23 +4820,7 @@
             </a:r>
             <a:r>
               <a:rPr lang="en-US" dirty="0"/>
-              <a:t>[</a:t>
-            </a:r>
-            <a:r>
-              <a:rPr lang="en-US" dirty="0" err="1"/>
-              <a:t>i</a:t>
-            </a:r>
-            <a:r>
-              <a:rPr lang="en-US" dirty="0"/>
-              <a:t>]), </a:t>
-            </a:r>
-            <a:r>
-              <a:rPr lang="en-US" dirty="0" err="1"/>
-              <a:t>i</a:t>
-            </a:r>
-            <a:r>
-              <a:rPr lang="en-US" dirty="0"/>
-              <a:t> = 1,…,n</a:t>
+              <a:t>[i]), i = 1,…,n</a:t>
             </a:r>
           </a:p>
           <a:p>
@@ -4993,11 +4840,7 @@
             </a:r>
             <a:r>
               <a:rPr lang="en-US" dirty="0" smtClean="0"/>
-              <a:t>Convexity</a:t>
-            </a:r>
-            <a:r>
-              <a:rPr lang="en-US" dirty="0" smtClean="0"/>
-              <a:t>!</a:t>
+              <a:t>Convexity!</a:t>
             </a:r>
           </a:p>
           <a:p>
@@ -5087,7 +4930,6 @@
               <a:rPr lang="en-US" dirty="0" smtClean="0"/>
               <a:t>Absolute values are hard to model if it contains non-linear term</a:t>
             </a:r>
-            <a:endParaRPr lang="en-US" dirty="0" smtClean="0"/>
           </a:p>
           <a:p>
             <a:endParaRPr lang="en-US" dirty="0" smtClean="0"/>
@@ -5185,28 +5027,24 @@
               <a:buSzPct val="85000"/>
             </a:pPr>
             <a:r>
-              <a:rPr lang="en-US" dirty="0"/>
-              <a:t>\</a:t>
-            </a:r>
-            <a:r>
-              <a:rPr lang="en-US" dirty="0" err="1"/>
-              <a:t>sum_i</a:t>
-            </a:r>
-            <a:r>
-              <a:rPr lang="en-US" dirty="0"/>
-              <a:t> (</a:t>
-            </a:r>
-            <a:r>
-              <a:rPr lang="en-US" dirty="0" err="1"/>
+              <a:rPr lang="el-GR" dirty="0" smtClean="0"/>
+              <a:t>Σ</a:t>
+            </a:r>
+            <a:r>
+              <a:rPr lang="en-US" baseline="-25000" dirty="0" smtClean="0"/>
+              <a:t>i</a:t>
+            </a:r>
+            <a:r>
+              <a:rPr lang="en-US" dirty="0" smtClean="0"/>
+              <a:t>(</a:t>
+            </a:r>
+            <a:r>
+              <a:rPr lang="en-US" dirty="0" err="1" smtClean="0"/>
               <a:t>gen_target_penalty</a:t>
             </a:r>
             <a:r>
-              <a:rPr lang="en-US" dirty="0"/>
-              <a:t>[</a:t>
-            </a:r>
-            <a:r>
-              <a:rPr lang="en-US" dirty="0" err="1"/>
-              <a:t>i</a:t>
+              <a:rPr lang="en-US" dirty="0" smtClean="0"/>
+              <a:t>[i</a:t>
             </a:r>
             <a:r>
               <a:rPr lang="en-US" dirty="0"/>
@@ -5222,15 +5060,7 @@
             </a:r>
             <a:r>
               <a:rPr lang="en-US" dirty="0"/>
-              <a:t> Gen[</a:t>
-            </a:r>
-            <a:r>
-              <a:rPr lang="en-US" dirty="0" err="1"/>
-              <a:t>i</a:t>
-            </a:r>
-            <a:r>
-              <a:rPr lang="en-US" dirty="0"/>
-              <a:t>] – </a:t>
+              <a:t> Gen[i] – </a:t>
             </a:r>
             <a:r>
               <a:rPr lang="en-US" dirty="0" err="1"/>
@@ -5238,15 +5068,7 @@
             </a:r>
             <a:r>
               <a:rPr lang="en-US" dirty="0"/>
-              <a:t>*[</a:t>
-            </a:r>
-            <a:r>
-              <a:rPr lang="en-US" dirty="0" err="1"/>
-              <a:t>i</a:t>
-            </a:r>
-            <a:r>
-              <a:rPr lang="en-US" dirty="0"/>
-              <a:t>] </a:t>
+              <a:t>*[i] </a:t>
             </a:r>
             <a:r>
               <a:rPr lang="en-US" dirty="0">
@@ -5345,11 +5167,7 @@
           <a:p>
             <a:r>
               <a:rPr lang="en-US" dirty="0" smtClean="0"/>
-              <a:t>x * y = </a:t>
-            </a:r>
-            <a:r>
-              <a:rPr lang="en-US" dirty="0" smtClean="0"/>
-              <a:t>u</a:t>
+              <a:t>x * y = u</a:t>
             </a:r>
             <a:r>
               <a:rPr lang="en-US" baseline="30000" dirty="0" smtClean="0"/>
@@ -5357,15 +5175,7 @@
             </a:r>
             <a:r>
               <a:rPr lang="en-US" dirty="0" smtClean="0"/>
-              <a:t> </a:t>
-            </a:r>
-            <a:r>
-              <a:rPr lang="en-US" dirty="0" smtClean="0"/>
-              <a:t>– </a:t>
-            </a:r>
-            <a:r>
-              <a:rPr lang="en-US" dirty="0" smtClean="0"/>
-              <a:t>v</a:t>
+              <a:t> – v</a:t>
             </a:r>
             <a:r>
               <a:rPr lang="en-US" baseline="30000" dirty="0"/>
@@ -5373,11 +5183,7 @@
             </a:r>
             <a:r>
               <a:rPr lang="en-US" dirty="0" smtClean="0"/>
-              <a:t> </a:t>
-            </a:r>
-            <a:r>
-              <a:rPr lang="en-US" dirty="0" smtClean="0"/>
-              <a:t>where u = (</a:t>
+              <a:t> where u = (</a:t>
             </a:r>
             <a:r>
               <a:rPr lang="en-US" dirty="0" err="1" smtClean="0"/>
@@ -5401,12 +5207,16 @@
               <a:t>Σ</a:t>
             </a:r>
             <a:r>
-              <a:rPr lang="en-US" dirty="0" smtClean="0"/>
-              <a:t>(Prices[</a:t>
-            </a:r>
-            <a:r>
-              <a:rPr lang="en-US" dirty="0" err="1" smtClean="0"/>
-              <a:t>i</a:t>
+              <a:rPr lang="en-US" baseline="-25000" dirty="0"/>
+              <a:t>i </a:t>
+            </a:r>
+            <a:r>
+              <a:rPr lang="en-US" dirty="0" smtClean="0"/>
+              <a:t>(</a:t>
+            </a:r>
+            <a:r>
+              <a:rPr lang="en-US" dirty="0" smtClean="0"/>
+              <a:t>Prices[i</a:t>
             </a:r>
             <a:r>
               <a:rPr lang="en-US" dirty="0"/>
@@ -5418,67 +5228,47 @@
             </a:r>
             <a:r>
               <a:rPr lang="en-US" dirty="0"/>
-              <a:t>[</a:t>
+              <a:t>[i] * </a:t>
             </a:r>
             <a:r>
               <a:rPr lang="en-US" dirty="0" err="1"/>
-              <a:t>i</a:t>
+              <a:t>Hk</a:t>
+            </a:r>
+            <a:r>
+              <a:rPr lang="en-US" dirty="0"/>
+              <a:t>[i</a:t>
+            </a:r>
+            <a:r>
+              <a:rPr lang="en-US" dirty="0" smtClean="0"/>
+              <a:t>]) 	</a:t>
+            </a:r>
+            <a:r>
+              <a:rPr lang="el-GR" dirty="0"/>
+              <a:t> </a:t>
+            </a:r>
+            <a:r>
+              <a:rPr lang="en-US" dirty="0" smtClean="0"/>
+              <a:t>      </a:t>
+            </a:r>
+            <a:r>
+              <a:rPr lang="el-GR" dirty="0" smtClean="0"/>
+              <a:t>Σ</a:t>
+            </a:r>
+            <a:r>
+              <a:rPr lang="en-US" baseline="-25000" dirty="0"/>
+              <a:t>i </a:t>
+            </a:r>
+            <a:r>
+              <a:rPr lang="en-US" dirty="0" smtClean="0"/>
+              <a:t>(Prices[i</a:t>
             </a:r>
             <a:r>
               <a:rPr lang="en-US" dirty="0"/>
               <a:t>] * </a:t>
             </a:r>
             <a:r>
-              <a:rPr lang="en-US" dirty="0" err="1"/>
-              <a:t>Hk</a:t>
-            </a:r>
-            <a:r>
-              <a:rPr lang="en-US" dirty="0"/>
-              <a:t>[</a:t>
-            </a:r>
-            <a:r>
-              <a:rPr lang="en-US" dirty="0" err="1"/>
-              <a:t>i</a:t>
-            </a:r>
-            <a:r>
-              <a:rPr lang="en-US" dirty="0" smtClean="0"/>
-              <a:t>]) 	</a:t>
-            </a:r>
-            <a:r>
-              <a:rPr lang="el-GR" dirty="0"/>
-              <a:t> </a:t>
-            </a:r>
-            <a:r>
-              <a:rPr lang="en-US" dirty="0" smtClean="0"/>
-              <a:t>      </a:t>
-            </a:r>
-            <a:r>
-              <a:rPr lang="el-GR" dirty="0" smtClean="0"/>
-              <a:t>Σ</a:t>
-            </a:r>
-            <a:r>
-              <a:rPr lang="en-US" dirty="0" smtClean="0"/>
-              <a:t>(Prices[</a:t>
-            </a:r>
-            <a:r>
-              <a:rPr lang="en-US" dirty="0" err="1" smtClean="0"/>
-              <a:t>i</a:t>
-            </a:r>
-            <a:r>
-              <a:rPr lang="en-US" dirty="0"/>
-              <a:t>] * </a:t>
-            </a:r>
-            <a:r>
-              <a:rPr lang="en-US" dirty="0" smtClean="0"/>
-              <a:t>(u[</a:t>
-            </a:r>
-            <a:r>
-              <a:rPr lang="en-US" dirty="0" err="1" smtClean="0"/>
-              <a:t>i</a:t>
-            </a:r>
-            <a:r>
-              <a:rPr lang="en-US" dirty="0" smtClean="0"/>
-              <a:t>]</a:t>
+              <a:rPr lang="en-US" dirty="0" smtClean="0"/>
+              <a:t>(u[i]</a:t>
             </a:r>
             <a:r>
               <a:rPr lang="en-US" baseline="30000" dirty="0"/>
@@ -5486,19 +5276,7 @@
             </a:r>
             <a:r>
               <a:rPr lang="en-US" dirty="0" smtClean="0"/>
-              <a:t>+ </a:t>
-            </a:r>
-            <a:r>
-              <a:rPr lang="en-US" dirty="0" smtClean="0"/>
-              <a:t>v[</a:t>
-            </a:r>
-            <a:r>
-              <a:rPr lang="en-US" dirty="0" err="1" smtClean="0"/>
-              <a:t>i</a:t>
-            </a:r>
-            <a:r>
-              <a:rPr lang="en-US" dirty="0" smtClean="0"/>
-              <a:t>]</a:t>
+              <a:t>+ v[i]</a:t>
             </a:r>
             <a:r>
               <a:rPr lang="en-US" baseline="30000" dirty="0"/>
@@ -5508,16 +5286,11 @@
               <a:rPr lang="en-US" dirty="0" smtClean="0"/>
               <a:t>))</a:t>
             </a:r>
-            <a:endParaRPr lang="en-US" dirty="0" smtClean="0"/>
-          </a:p>
-          <a:p>
-            <a:r>
-              <a:rPr lang="en-US" dirty="0" smtClean="0"/>
-              <a:t>Then use piecewise linear (PWL) </a:t>
-            </a:r>
-            <a:r>
-              <a:rPr lang="en-US" dirty="0" smtClean="0"/>
-              <a:t>objective for u</a:t>
+          </a:p>
+          <a:p>
+            <a:r>
+              <a:rPr lang="en-US" dirty="0" smtClean="0"/>
+              <a:t>Then use piecewise linear (PWL) objective for u</a:t>
             </a:r>
             <a:r>
               <a:rPr lang="en-US" baseline="30000" dirty="0"/>
@@ -5525,15 +5298,7 @@
             </a:r>
             <a:r>
               <a:rPr lang="en-US" dirty="0" smtClean="0"/>
-              <a:t> </a:t>
-            </a:r>
-            <a:r>
-              <a:rPr lang="en-US" dirty="0" smtClean="0"/>
-              <a:t>and </a:t>
-            </a:r>
-            <a:r>
-              <a:rPr lang="en-US" dirty="0" smtClean="0"/>
-              <a:t>v</a:t>
+              <a:t> and v</a:t>
             </a:r>
             <a:r>
               <a:rPr lang="en-US" baseline="30000" dirty="0"/>
@@ -5541,11 +5306,7 @@
             </a:r>
             <a:r>
               <a:rPr lang="en-US" dirty="0" smtClean="0"/>
-              <a:t>, </a:t>
-            </a:r>
-            <a:r>
-              <a:rPr lang="en-US" dirty="0" smtClean="0"/>
-              <a:t>respectively.</a:t>
+              <a:t>, respectively.</a:t>
             </a:r>
           </a:p>
           <a:p>
@@ -5576,26 +5337,14 @@
             <a:pPr lvl="1"/>
             <a:r>
               <a:rPr lang="en-US" dirty="0" smtClean="0"/>
-              <a:t>At </a:t>
-            </a:r>
-            <a:r>
-              <a:rPr lang="en-US" dirty="0" smtClean="0"/>
-              <a:t>most two are non-negative</a:t>
+              <a:t>At most two are non-negative</a:t>
             </a:r>
           </a:p>
           <a:p>
             <a:pPr lvl="1"/>
             <a:r>
               <a:rPr lang="en-US" dirty="0" smtClean="0"/>
-              <a:t>Non-negative ones </a:t>
-            </a:r>
-            <a:r>
-              <a:rPr lang="en-US" dirty="0" smtClean="0"/>
-              <a:t>must be </a:t>
-            </a:r>
-            <a:r>
-              <a:rPr lang="en-US" dirty="0" smtClean="0"/>
-              <a:t>adjacent</a:t>
+              <a:t>Non-negative ones must be adjacent</a:t>
             </a:r>
           </a:p>
           <a:p>
@@ -5628,7 +5377,7 @@
         </p:nvSpPr>
         <p:spPr>
           <a:xfrm>
-            <a:off x="3886200" y="2514600"/>
+            <a:off x="3886200" y="2566869"/>
             <a:ext cx="609600" cy="152400"/>
           </a:xfrm>
           <a:prstGeom prst="rightArrow">
@@ -5870,11 +5619,7 @@
             </a:r>
             <a:r>
               <a:rPr lang="en-US" dirty="0" smtClean="0"/>
-              <a:t>-c</a:t>
-            </a:r>
-            <a:r>
-              <a:rPr lang="en-US" dirty="0" smtClean="0"/>
-              <a:t>)</a:t>
+              <a:t>-c)</a:t>
             </a:r>
             <a:r>
               <a:rPr lang="en-US" baseline="30000" dirty="0"/>
@@ -5882,11 +5627,7 @@
             </a:r>
             <a:r>
               <a:rPr lang="en-US" dirty="0" smtClean="0"/>
-              <a:t> </a:t>
-            </a:r>
-            <a:r>
-              <a:rPr lang="en-US" dirty="0" smtClean="0"/>
-              <a:t>= </a:t>
+              <a:t> = </a:t>
             </a:r>
             <a:r>
               <a:rPr lang="en-US" dirty="0">
@@ -5922,15 +5663,7 @@
             </a:r>
             <a:r>
               <a:rPr lang="en-US" dirty="0" smtClean="0"/>
-              <a:t> </a:t>
-            </a:r>
-            <a:r>
-              <a:rPr lang="en-US" dirty="0" smtClean="0"/>
-              <a:t>– 2xy + </a:t>
-            </a:r>
-            <a:r>
-              <a:rPr lang="en-US" dirty="0" smtClean="0"/>
-              <a:t>c</a:t>
+              <a:t> – 2xy + c</a:t>
             </a:r>
             <a:r>
               <a:rPr lang="en-US" baseline="30000" dirty="0"/>
@@ -5942,11 +5675,7 @@
             <a:pPr lvl="2"/>
             <a:r>
               <a:rPr lang="en-US" dirty="0" smtClean="0"/>
-              <a:t>Note that </a:t>
-            </a:r>
-            <a:r>
-              <a:rPr lang="en-US" dirty="0" smtClean="0"/>
-              <a:t>x</a:t>
+              <a:t>Note that x</a:t>
             </a:r>
             <a:r>
               <a:rPr lang="en-US" baseline="30000" dirty="0"/>
@@ -5962,11 +5691,7 @@
             </a:r>
             <a:r>
               <a:rPr lang="en-US" dirty="0" smtClean="0"/>
-              <a:t> </a:t>
-            </a:r>
-            <a:r>
-              <a:rPr lang="en-US" dirty="0" smtClean="0"/>
-              <a:t>= ((</a:t>
+              <a:t> = ((</a:t>
             </a:r>
             <a:r>
               <a:rPr lang="en-US" dirty="0" err="1" smtClean="0"/>
@@ -5982,15 +5707,7 @@
             </a:r>
             <a:r>
               <a:rPr lang="en-US" dirty="0" smtClean="0"/>
-              <a:t> </a:t>
-            </a:r>
-            <a:r>
-              <a:rPr lang="en-US" dirty="0" smtClean="0"/>
-              <a:t>+ (</a:t>
-            </a:r>
-            <a:r>
-              <a:rPr lang="en-US" dirty="0" smtClean="0"/>
-              <a:t>x-y)</a:t>
+              <a:t> + (x-y)</a:t>
             </a:r>
             <a:r>
               <a:rPr lang="en-US" baseline="30000" dirty="0" smtClean="0"/>
@@ -5998,15 +5715,7 @@
             </a:r>
             <a:r>
               <a:rPr lang="en-US" dirty="0" smtClean="0"/>
-              <a:t> </a:t>
-            </a:r>
-            <a:r>
-              <a:rPr lang="en-US" dirty="0" smtClean="0"/>
-              <a:t>– (</a:t>
-            </a:r>
-            <a:r>
-              <a:rPr lang="en-US" dirty="0" smtClean="0"/>
-              <a:t>2x</a:t>
+              <a:t> – (2x</a:t>
             </a:r>
             <a:r>
               <a:rPr lang="en-US" baseline="30000" dirty="0"/>
@@ -6014,15 +5723,7 @@
             </a:r>
             <a:r>
               <a:rPr lang="en-US" dirty="0" smtClean="0"/>
-              <a:t> </a:t>
-            </a:r>
-            <a:r>
-              <a:rPr lang="en-US" dirty="0" smtClean="0"/>
-              <a:t>+ </a:t>
-            </a:r>
-            <a:r>
-              <a:rPr lang="en-US" dirty="0" smtClean="0"/>
-              <a:t>2y</a:t>
+              <a:t> + 2y</a:t>
             </a:r>
             <a:r>
               <a:rPr lang="en-US" baseline="30000" dirty="0"/>
@@ -6030,22 +5731,14 @@
             </a:r>
             <a:r>
               <a:rPr lang="en-US" dirty="0" smtClean="0"/>
-              <a:t>))/</a:t>
-            </a:r>
-            <a:r>
-              <a:rPr lang="en-US" dirty="0" smtClean="0"/>
-              <a:t>12</a:t>
+              <a:t>))/12</a:t>
             </a:r>
           </a:p>
           <a:p>
             <a:pPr lvl="2"/>
             <a:r>
               <a:rPr lang="en-US" dirty="0" smtClean="0"/>
-              <a:t>So </a:t>
-            </a:r>
-            <a:r>
-              <a:rPr lang="en-US" dirty="0" smtClean="0"/>
-              <a:t>x</a:t>
+              <a:t>So x</a:t>
             </a:r>
             <a:r>
               <a:rPr lang="en-US" baseline="30000" dirty="0"/>
@@ -6061,15 +5754,7 @@
             </a:r>
             <a:r>
               <a:rPr lang="en-US" dirty="0" smtClean="0"/>
-              <a:t> </a:t>
-            </a:r>
-            <a:r>
-              <a:rPr lang="en-US" dirty="0" smtClean="0"/>
-              <a:t>= (</a:t>
-            </a:r>
-            <a:r>
-              <a:rPr lang="en-US" dirty="0" smtClean="0"/>
-              <a:t>u</a:t>
+              <a:t> = (u</a:t>
             </a:r>
             <a:r>
               <a:rPr lang="en-US" baseline="30000" dirty="0" smtClean="0"/>
@@ -6077,15 +5762,7 @@
             </a:r>
             <a:r>
               <a:rPr lang="en-US" dirty="0" smtClean="0"/>
-              <a:t> </a:t>
-            </a:r>
-            <a:r>
-              <a:rPr lang="en-US" dirty="0" smtClean="0"/>
-              <a:t>+ </a:t>
-            </a:r>
-            <a:r>
-              <a:rPr lang="en-US" dirty="0" smtClean="0"/>
-              <a:t>v</a:t>
+              <a:t> + v</a:t>
             </a:r>
             <a:r>
               <a:rPr lang="en-US" baseline="30000" dirty="0" smtClean="0"/>
@@ -6093,15 +5770,7 @@
             </a:r>
             <a:r>
               <a:rPr lang="en-US" dirty="0" smtClean="0"/>
-              <a:t>) </a:t>
-            </a:r>
-            <a:r>
-              <a:rPr lang="en-US" dirty="0" smtClean="0"/>
-              <a:t>* 4 / 3 – (</a:t>
-            </a:r>
-            <a:r>
-              <a:rPr lang="en-US" dirty="0" smtClean="0"/>
-              <a:t>x</a:t>
+              <a:t>) * 4 / 3 – (x</a:t>
             </a:r>
             <a:r>
               <a:rPr lang="en-US" baseline="30000" dirty="0"/>
@@ -6109,15 +5778,7 @@
             </a:r>
             <a:r>
               <a:rPr lang="en-US" dirty="0" smtClean="0"/>
-              <a:t> </a:t>
-            </a:r>
-            <a:r>
-              <a:rPr lang="en-US" dirty="0" smtClean="0"/>
-              <a:t>+ </a:t>
-            </a:r>
-            <a:r>
-              <a:rPr lang="en-US" dirty="0" smtClean="0"/>
-              <a:t>y</a:t>
+              <a:t> + y</a:t>
             </a:r>
             <a:r>
               <a:rPr lang="en-US" baseline="30000" dirty="0"/>
@@ -6125,15 +5786,7 @@
             </a:r>
             <a:r>
               <a:rPr lang="en-US" dirty="0" smtClean="0"/>
-              <a:t>) </a:t>
-            </a:r>
-            <a:r>
-              <a:rPr lang="en-US" dirty="0" smtClean="0"/>
-              <a:t>/ </a:t>
-            </a:r>
-            <a:r>
-              <a:rPr lang="en-US" dirty="0" smtClean="0"/>
-              <a:t>6, u = (</a:t>
+              <a:t>) / 6, u = (</a:t>
             </a:r>
             <a:r>
               <a:rPr lang="en-US" dirty="0" err="1" smtClean="0"/>
@@ -6143,7 +5796,6 @@
               <a:rPr lang="en-US" dirty="0" smtClean="0"/>
               <a:t>)/2, v = (x-y)/2</a:t>
             </a:r>
-            <a:endParaRPr lang="en-US" dirty="0" smtClean="0"/>
           </a:p>
           <a:p>
             <a:pPr lvl="1"/>
@@ -6156,15 +5808,7 @@
             <a:pPr lvl="1"/>
             <a:r>
               <a:rPr lang="en-US" dirty="0" smtClean="0"/>
-              <a:t>However, we end up with </a:t>
-            </a:r>
-            <a:r>
-              <a:rPr lang="en-US" dirty="0" smtClean="0"/>
-              <a:t>much more complex </a:t>
-            </a:r>
-            <a:r>
-              <a:rPr lang="en-US" dirty="0" smtClean="0"/>
-              <a:t>models (with lots of SOS2 constraints)</a:t>
+              <a:t>However, we end up with much more complex models (with lots of SOS2 constraints)</a:t>
             </a:r>
           </a:p>
           <a:p>
@@ -6197,8 +5841,12 @@
               <a:buSzPct val="85000"/>
             </a:pPr>
             <a:r>
-              <a:rPr lang="el-GR" dirty="0"/>
+              <a:rPr lang="el-GR" dirty="0" smtClean="0"/>
               <a:t>Σ</a:t>
+            </a:r>
+            <a:r>
+              <a:rPr lang="en-US" baseline="-25000" dirty="0"/>
+              <a:t>i </a:t>
             </a:r>
             <a:r>
               <a:rPr lang="en-US" dirty="0" smtClean="0"/>
@@ -6210,11 +5858,7 @@
             </a:r>
             <a:r>
               <a:rPr lang="en-US" dirty="0" smtClean="0"/>
-              <a:t>[</a:t>
-            </a:r>
-            <a:r>
-              <a:rPr lang="en-US" dirty="0" err="1" smtClean="0"/>
-              <a:t>i</a:t>
+              <a:t>[i</a:t>
             </a:r>
             <a:r>
               <a:rPr lang="en-US" dirty="0"/>
@@ -6230,15 +5874,7 @@
             </a:r>
             <a:r>
               <a:rPr lang="en-US" dirty="0"/>
-              <a:t> Gen[</a:t>
-            </a:r>
-            <a:r>
-              <a:rPr lang="en-US" dirty="0" err="1"/>
-              <a:t>i</a:t>
-            </a:r>
-            <a:r>
-              <a:rPr lang="en-US" dirty="0"/>
-              <a:t>] – </a:t>
+              <a:t> Gen[i] – </a:t>
             </a:r>
             <a:r>
               <a:rPr lang="en-US" dirty="0" err="1"/>
@@ -6246,15 +5882,7 @@
             </a:r>
             <a:r>
               <a:rPr lang="en-US" dirty="0"/>
-              <a:t>*[</a:t>
-            </a:r>
-            <a:r>
-              <a:rPr lang="en-US" dirty="0" err="1"/>
-              <a:t>i</a:t>
-            </a:r>
-            <a:r>
-              <a:rPr lang="en-US" dirty="0"/>
-              <a:t>] </a:t>
+              <a:t>*[i] </a:t>
             </a:r>
             <a:r>
               <a:rPr lang="en-US" dirty="0">
@@ -6356,16 +5984,12 @@
           </a:p>
           <a:p>
             <a:r>
-              <a:rPr lang="en-US" dirty="0" err="1"/>
+              <a:rPr lang="en-US" dirty="0" err="1" smtClean="0"/>
               <a:t>qo</a:t>
             </a:r>
             <a:r>
-              <a:rPr lang="en-US" dirty="0"/>
-              <a:t>[</a:t>
-            </a:r>
-            <a:r>
-              <a:rPr lang="en-US" dirty="0" err="1"/>
-              <a:t>i</a:t>
+              <a:rPr lang="en-US" dirty="0" smtClean="0"/>
+              <a:t>[i</a:t>
             </a:r>
             <a:r>
               <a:rPr lang="en-US" dirty="0"/>
@@ -6425,31 +6049,7 @@
             </a:r>
             <a:r>
               <a:rPr lang="en-US" dirty="0"/>
-              <a:t>_{</a:t>
-            </a:r>
-            <a:r>
-              <a:rPr lang="en-US" dirty="0" err="1"/>
-              <a:t>i</a:t>
-            </a:r>
-            <a:r>
-              <a:rPr lang="en-US" dirty="0"/>
-              <a:t>}'.format(</a:t>
-            </a:r>
-            <a:r>
-              <a:rPr lang="en-US" dirty="0" err="1"/>
-              <a:t>i</a:t>
-            </a:r>
-            <a:r>
-              <a:rPr lang="en-US" dirty="0"/>
-              <a:t> = </a:t>
-            </a:r>
-            <a:r>
-              <a:rPr lang="en-US" dirty="0" err="1"/>
-              <a:t>i</a:t>
-            </a:r>
-            <a:r>
-              <a:rPr lang="en-US" dirty="0"/>
-              <a:t>))</a:t>
+              <a:t>_{i}'.format(i = i))</a:t>
             </a:r>
           </a:p>
           <a:p>
@@ -6475,15 +6075,7 @@
             </a:r>
             <a:r>
               <a:rPr lang="en-US" dirty="0"/>
-              <a:t>[</a:t>
-            </a:r>
-            <a:r>
-              <a:rPr lang="en-US" dirty="0" err="1"/>
-              <a:t>i</a:t>
-            </a:r>
-            <a:r>
-              <a:rPr lang="en-US" dirty="0"/>
-              <a:t>] == </a:t>
+              <a:t>[i] == </a:t>
             </a:r>
             <a:r>
               <a:rPr lang="en-US" dirty="0" err="1"/>
@@ -6491,15 +6083,7 @@
             </a:r>
             <a:r>
               <a:rPr lang="en-US" dirty="0"/>
-              <a:t>[</a:t>
-            </a:r>
-            <a:r>
-              <a:rPr lang="en-US" dirty="0" err="1"/>
-              <a:t>i</a:t>
-            </a:r>
-            <a:r>
-              <a:rPr lang="en-US" dirty="0"/>
-              <a:t>] + </a:t>
+              <a:t>[i] + </a:t>
             </a:r>
             <a:r>
               <a:rPr lang="en-US" dirty="0" err="1"/>
@@ -6507,15 +6091,7 @@
             </a:r>
             <a:r>
               <a:rPr lang="en-US" dirty="0"/>
-              <a:t>[</a:t>
-            </a:r>
-            <a:r>
-              <a:rPr lang="en-US" dirty="0" err="1"/>
-              <a:t>i</a:t>
-            </a:r>
-            <a:r>
-              <a:rPr lang="en-US" dirty="0"/>
-              <a:t>],</a:t>
+              <a:t>[i],</a:t>
             </a:r>
             <a:r>
               <a:rPr lang="en-US" dirty="0" smtClean="0"/>
@@ -6530,28 +6106,8 @@
               <a:t>_{</a:t>
             </a:r>
             <a:r>
-              <a:rPr lang="en-US" dirty="0" err="1"/>
-              <a:t>i</a:t>
-            </a:r>
-            <a:r>
               <a:rPr lang="en-US" dirty="0"/>
-              <a:t>}'.format(</a:t>
-            </a:r>
-            <a:r>
-              <a:rPr lang="en-US" dirty="0" err="1"/>
-              <a:t>i</a:t>
-            </a:r>
-            <a:r>
-              <a:rPr lang="en-US" dirty="0"/>
-              <a:t>=</a:t>
-            </a:r>
-            <a:r>
-              <a:rPr lang="en-US" dirty="0" err="1"/>
-              <a:t>i</a:t>
-            </a:r>
-            <a:r>
-              <a:rPr lang="en-US" dirty="0"/>
-              <a:t>))</a:t>
+              <a:t>i}'.format(i=i))</a:t>
             </a:r>
           </a:p>
           <a:p>
@@ -6923,15 +6479,7 @@
           <a:p>
             <a:r>
               <a:rPr lang="en-US" dirty="0" smtClean="0"/>
-              <a:t>Optimizer </a:t>
-            </a:r>
-            <a:r>
-              <a:rPr lang="en-US" dirty="0" smtClean="0"/>
-              <a:t>purposely maintains </a:t>
-            </a:r>
-            <a:r>
-              <a:rPr lang="en-US" dirty="0" smtClean="0"/>
-              <a:t>a high </a:t>
+              <a:t>Optimizer purposely maintains a high </a:t>
             </a:r>
             <a:r>
               <a:rPr lang="en-US" dirty="0" err="1" smtClean="0"/>
@@ -6945,11 +6493,7 @@
           <a:p>
             <a:r>
               <a:rPr lang="en-US" dirty="0" smtClean="0"/>
-              <a:t>&lt;10</a:t>
-            </a:r>
-            <a:r>
-              <a:rPr lang="en-US" dirty="0" smtClean="0"/>
-              <a:t> </a:t>
+              <a:t>&lt;10 </a:t>
             </a:r>
             <a:r>
               <a:rPr lang="en-US" dirty="0" err="1" smtClean="0"/>
@@ -6957,11 +6501,7 @@
             </a:r>
             <a:r>
               <a:rPr lang="en-US" dirty="0" smtClean="0"/>
-              <a:t> to </a:t>
-            </a:r>
-            <a:r>
-              <a:rPr lang="en-US" dirty="0" smtClean="0"/>
-              <a:t>optimize a three-month model</a:t>
+              <a:t> to optimize a three-month model</a:t>
             </a:r>
           </a:p>
           <a:p>

--- a/Swift short term optimizer.pptx
+++ b/Swift short term optimizer.pptx
@@ -3769,8 +3769,19 @@
           <a:p>
             <a:r>
               <a:rPr lang="en-US" dirty="0" smtClean="0"/>
-              <a:t>How to combine with Natalie’s long term stochastic model?</a:t>
-            </a:r>
+              <a:t>How to combine with Natalie’s long term stochastic model</a:t>
+            </a:r>
+            <a:r>
+              <a:rPr lang="en-US" dirty="0" smtClean="0"/>
+              <a:t>?</a:t>
+            </a:r>
+          </a:p>
+          <a:p>
+            <a:r>
+              <a:rPr lang="en-US" dirty="0" smtClean="0"/>
+              <a:t>Model LLH and HLH prices</a:t>
+            </a:r>
+            <a:endParaRPr lang="en-US" dirty="0" smtClean="0"/>
           </a:p>
           <a:p>
             <a:r>
@@ -3950,12 +3961,38 @@
         </p:nvSpPr>
         <p:spPr/>
         <p:txBody>
-          <a:bodyPr/>
-          <a:lstStyle/>
-          <a:p>
-            <a:r>
-              <a:rPr lang="en-US" dirty="0" smtClean="0"/>
-              <a:t>A short term optimizer that can optimize the daily generation for a given period (one month up to a year)</a:t>
+          <a:bodyPr>
+            <a:normAutofit lnSpcReduction="10000"/>
+          </a:bodyPr>
+          <a:lstStyle/>
+          <a:p>
+            <a:r>
+              <a:rPr lang="en-US" dirty="0" smtClean="0"/>
+              <a:t>A short term optimizer that </a:t>
+            </a:r>
+            <a:r>
+              <a:rPr lang="en-US" dirty="0" smtClean="0"/>
+              <a:t>optimizes </a:t>
+            </a:r>
+            <a:r>
+              <a:rPr lang="en-US" dirty="0" smtClean="0"/>
+              <a:t>the daily </a:t>
+            </a:r>
+            <a:r>
+              <a:rPr lang="en-US" dirty="0" smtClean="0"/>
+              <a:t>water dispatch / generation for </a:t>
+            </a:r>
+            <a:r>
+              <a:rPr lang="en-US" dirty="0" smtClean="0"/>
+              <a:t>a given </a:t>
+            </a:r>
+            <a:r>
+              <a:rPr lang="en-US" dirty="0" smtClean="0"/>
+              <a:t>period(a </a:t>
+            </a:r>
+            <a:r>
+              <a:rPr lang="en-US" dirty="0" smtClean="0"/>
+              <a:t>month up to a year)</a:t>
             </a:r>
           </a:p>
           <a:p>
@@ -4230,7 +4267,15 @@
             </a:r>
             <a:r>
               <a:rPr lang="en-US" dirty="0"/>
-              <a:t>- 89.96) [900-1000]</a:t>
+              <a:t>- 89.96) [</a:t>
+            </a:r>
+            <a:r>
+              <a:rPr lang="en-US" dirty="0" smtClean="0"/>
+              <a:t>900,1000</a:t>
+            </a:r>
+            <a:r>
+              <a:rPr lang="en-US" dirty="0"/>
+              <a:t>]</a:t>
             </a:r>
           </a:p>
           <a:p>
@@ -4256,7 +4301,15 @@
             </a:r>
             <a:r>
               <a:rPr lang="en-US" dirty="0" smtClean="0"/>
-              <a:t> – 89.96) [30-38]</a:t>
+              <a:t> – 89.96) [</a:t>
+            </a:r>
+            <a:r>
+              <a:rPr lang="en-US" dirty="0" smtClean="0"/>
+              <a:t>30,38</a:t>
+            </a:r>
+            <a:r>
+              <a:rPr lang="en-US" dirty="0" smtClean="0"/>
+              <a:t>]</a:t>
             </a:r>
           </a:p>
           <a:p>
@@ -4649,11 +4702,23 @@
               <a:t> </a:t>
             </a:r>
             <a:r>
-              <a:rPr lang="en-US" dirty="0" smtClean="0"/>
-              <a:t>Gen[i</a:t>
+              <a:rPr lang="en-US" dirty="0" err="1"/>
+              <a:t>Qp</a:t>
             </a:r>
             <a:r>
               <a:rPr lang="en-US" dirty="0"/>
+              <a:t>[i] * </a:t>
+            </a:r>
+            <a:r>
+              <a:rPr lang="en-US" dirty="0" err="1"/>
+              <a:t>Hk</a:t>
+            </a:r>
+            <a:r>
+              <a:rPr lang="en-US" dirty="0"/>
+              <a:t>[i</a:t>
+            </a:r>
+            <a:r>
+              <a:rPr lang="en-US" dirty="0" smtClean="0"/>
               <a:t>] – </a:t>
             </a:r>
             <a:r>
@@ -4785,7 +4850,11 @@
           <a:p>
             <a:r>
               <a:rPr lang="en-US" dirty="0" smtClean="0"/>
-              <a:t>Not possible to implement the quadratic objective directly </a:t>
+              <a:t>Cannot </a:t>
+            </a:r>
+            <a:r>
+              <a:rPr lang="en-US" dirty="0" smtClean="0"/>
+              <a:t>implement the quadratic objective directly </a:t>
             </a:r>
           </a:p>
           <a:p>
@@ -4807,20 +4876,40 @@
               <a:t>] * </a:t>
             </a:r>
             <a:r>
-              <a:rPr lang="en-US" dirty="0" err="1"/>
+              <a:rPr lang="en-US" dirty="0" err="1">
+                <a:solidFill>
+                  <a:srgbClr val="FF0000"/>
+                </a:solidFill>
+              </a:rPr>
               <a:t>Qp</a:t>
             </a:r>
             <a:r>
+              <a:rPr lang="en-US" dirty="0">
+                <a:solidFill>
+                  <a:srgbClr val="FF0000"/>
+                </a:solidFill>
+              </a:rPr>
+              <a:t>[i] * </a:t>
+            </a:r>
+            <a:r>
+              <a:rPr lang="en-US" dirty="0" err="1">
+                <a:solidFill>
+                  <a:srgbClr val="FF0000"/>
+                </a:solidFill>
+              </a:rPr>
+              <a:t>Hk</a:t>
+            </a:r>
+            <a:r>
+              <a:rPr lang="en-US" dirty="0">
+                <a:solidFill>
+                  <a:srgbClr val="FF0000"/>
+                </a:solidFill>
+              </a:rPr>
+              <a:t>[i]</a:t>
+            </a:r>
+            <a:r>
               <a:rPr lang="en-US" dirty="0"/>
-              <a:t>[i] * </a:t>
-            </a:r>
-            <a:r>
-              <a:rPr lang="en-US" dirty="0" err="1"/>
-              <a:t>Hk</a:t>
-            </a:r>
-            <a:r>
-              <a:rPr lang="en-US" dirty="0"/>
-              <a:t>[i]), i = 1,…,n</a:t>
+              <a:t>), i = 1,…,n</a:t>
             </a:r>
           </a:p>
           <a:p>
@@ -4830,21 +4919,14 @@
             <a:endParaRPr lang="en-US" dirty="0" smtClean="0"/>
           </a:p>
           <a:p>
-            <a:r>
-              <a:rPr lang="en-US" dirty="0" smtClean="0"/>
-              <a:t>Note PSD </a:t>
-            </a:r>
-            <a:r>
-              <a:rPr lang="en-US" dirty="0"/>
-              <a:t>= </a:t>
-            </a:r>
-            <a:r>
-              <a:rPr lang="en-US" dirty="0" smtClean="0"/>
-              <a:t>Convexity!</a:t>
-            </a:r>
-          </a:p>
-          <a:p>
             <a:pPr lvl="1"/>
+            <a:r>
+              <a:rPr lang="en-US" dirty="0" smtClean="0"/>
+              <a:t>Note PSD = Convexity!</a:t>
+            </a:r>
+          </a:p>
+          <a:p>
+            <a:pPr lvl="2"/>
             <a:r>
               <a:rPr lang="en-US" dirty="0" err="1" smtClean="0"/>
               <a:t>Cholesky</a:t>
@@ -4879,7 +4961,7 @@
             </a:r>
           </a:p>
           <a:p>
-            <a:pPr lvl="1"/>
+            <a:pPr lvl="2"/>
             <a:r>
               <a:rPr lang="en-US" dirty="0" smtClean="0"/>
               <a:t>So, for any x, x</a:t>
@@ -4928,7 +5010,11 @@
           <a:p>
             <a:r>
               <a:rPr lang="en-US" dirty="0" smtClean="0"/>
-              <a:t>Absolute values are hard to model if it contains non-linear term</a:t>
+              <a:t>Absolute </a:t>
+            </a:r>
+            <a:r>
+              <a:rPr lang="en-US" dirty="0" smtClean="0"/>
+              <a:t>values are hard to model if it contains non-linear term</a:t>
             </a:r>
           </a:p>
           <a:p>
@@ -5060,7 +5146,51 @@
             </a:r>
             <a:r>
               <a:rPr lang="en-US" dirty="0"/>
-              <a:t> Gen[i] – </a:t>
+              <a:t> </a:t>
+            </a:r>
+            <a:r>
+              <a:rPr lang="en-US" dirty="0" err="1">
+                <a:solidFill>
+                  <a:srgbClr val="FF0000"/>
+                </a:solidFill>
+              </a:rPr>
+              <a:t>Qp</a:t>
+            </a:r>
+            <a:r>
+              <a:rPr lang="en-US" dirty="0">
+                <a:solidFill>
+                  <a:srgbClr val="FF0000"/>
+                </a:solidFill>
+              </a:rPr>
+              <a:t>[i] * </a:t>
+            </a:r>
+            <a:r>
+              <a:rPr lang="en-US" dirty="0" err="1">
+                <a:solidFill>
+                  <a:srgbClr val="FF0000"/>
+                </a:solidFill>
+              </a:rPr>
+              <a:t>Hk</a:t>
+            </a:r>
+            <a:r>
+              <a:rPr lang="en-US" dirty="0">
+                <a:solidFill>
+                  <a:srgbClr val="FF0000"/>
+                </a:solidFill>
+              </a:rPr>
+              <a:t>[i</a:t>
+            </a:r>
+            <a:r>
+              <a:rPr lang="en-US" dirty="0" smtClean="0">
+                <a:solidFill>
+                  <a:srgbClr val="FF0000"/>
+                </a:solidFill>
+              </a:rPr>
+              <a:t>] </a:t>
+            </a:r>
+            <a:r>
+              <a:rPr lang="en-US" dirty="0" smtClean="0"/>
+              <a:t>– </a:t>
             </a:r>
             <a:r>
               <a:rPr lang="en-US" dirty="0" err="1"/>
@@ -5874,7 +6004,47 @@
             </a:r>
             <a:r>
               <a:rPr lang="en-US" dirty="0"/>
-              <a:t> Gen[i] – </a:t>
+              <a:t> </a:t>
+            </a:r>
+            <a:r>
+              <a:rPr lang="en-US" dirty="0" err="1">
+                <a:solidFill>
+                  <a:srgbClr val="FF0000"/>
+                </a:solidFill>
+              </a:rPr>
+              <a:t>Qp</a:t>
+            </a:r>
+            <a:r>
+              <a:rPr lang="en-US" dirty="0">
+                <a:solidFill>
+                  <a:srgbClr val="FF0000"/>
+                </a:solidFill>
+              </a:rPr>
+              <a:t>[i] * </a:t>
+            </a:r>
+            <a:r>
+              <a:rPr lang="en-US" dirty="0" err="1">
+                <a:solidFill>
+                  <a:srgbClr val="FF0000"/>
+                </a:solidFill>
+              </a:rPr>
+              <a:t>Hk</a:t>
+            </a:r>
+            <a:r>
+              <a:rPr lang="en-US" dirty="0">
+                <a:solidFill>
+                  <a:srgbClr val="FF0000"/>
+                </a:solidFill>
+              </a:rPr>
+              <a:t>[i]</a:t>
+            </a:r>
+            <a:r>
+              <a:rPr lang="en-US" dirty="0" smtClean="0"/>
+              <a:t> </a:t>
+            </a:r>
+            <a:r>
+              <a:rPr lang="en-US" dirty="0"/>
+              <a:t>– </a:t>
             </a:r>
             <a:r>
               <a:rPr lang="en-US" dirty="0" err="1"/>
@@ -6511,7 +6681,7 @@
       </p:sp>
       <p:pic>
         <p:nvPicPr>
-          <p:cNvPr id="2052" name="Picture 4"/>
+          <p:cNvPr id="1026" name="Picture 2"/>
           <p:cNvPicPr>
             <a:picLocks noChangeAspect="1" noChangeArrowheads="1"/>
           </p:cNvPicPr>
@@ -6532,8 +6702,8 @@
         </p:blipFill>
         <p:spPr bwMode="auto">
           <a:xfrm>
-            <a:off x="381000" y="3086963"/>
-            <a:ext cx="4662488" cy="2914767"/>
+            <a:off x="0" y="2681484"/>
+            <a:ext cx="5235738" cy="2895600"/>
           </a:xfrm>
           <a:prstGeom prst="rect">
             <a:avLst/>
@@ -6565,7 +6735,7 @@
       </p:pic>
       <p:pic>
         <p:nvPicPr>
-          <p:cNvPr id="2053" name="Picture 5"/>
+          <p:cNvPr id="1028" name="Picture 4"/>
           <p:cNvPicPr>
             <a:picLocks noChangeAspect="1" noChangeArrowheads="1"/>
           </p:cNvPicPr>
@@ -6586,62 +6756,8 @@
         </p:blipFill>
         <p:spPr bwMode="auto">
           <a:xfrm>
-            <a:off x="5580677" y="2426080"/>
-            <a:ext cx="3178533" cy="1909763"/>
-          </a:xfrm>
-          <a:prstGeom prst="rect">
-            <a:avLst/>
-          </a:prstGeom>
-          <a:noFill/>
-          <a:ln>
-            <a:noFill/>
-          </a:ln>
-          <a:extLst>
-            <a:ext uri="{909E8E84-426E-40DD-AFC4-6F175D3DCCD1}">
-              <a14:hiddenFill xmlns:a14="http://schemas.microsoft.com/office/drawing/2010/main">
-                <a:solidFill>
-                  <a:schemeClr val="accent1"/>
-                </a:solidFill>
-              </a14:hiddenFill>
-            </a:ext>
-            <a:ext uri="{91240B29-F687-4F45-9708-019B960494DF}">
-              <a14:hiddenLine xmlns:a14="http://schemas.microsoft.com/office/drawing/2010/main" w="9525">
-                <a:solidFill>
-                  <a:schemeClr val="tx1"/>
-                </a:solidFill>
-                <a:miter lim="800000"/>
-                <a:headEnd/>
-                <a:tailEnd/>
-              </a14:hiddenLine>
-            </a:ext>
-          </a:extLst>
-        </p:spPr>
-      </p:pic>
-      <p:pic>
-        <p:nvPicPr>
-          <p:cNvPr id="2054" name="Picture 6"/>
-          <p:cNvPicPr>
-            <a:picLocks noChangeAspect="1" noChangeArrowheads="1"/>
-          </p:cNvPicPr>
-          <p:nvPr/>
-        </p:nvPicPr>
-        <p:blipFill>
-          <a:blip r:embed="rId4">
-            <a:extLst>
-              <a:ext uri="{28A0092B-C50C-407E-A947-70E740481C1C}">
-                <a14:useLocalDpi xmlns:a14="http://schemas.microsoft.com/office/drawing/2010/main" val="0"/>
-              </a:ext>
-            </a:extLst>
-          </a:blip>
-          <a:srcRect/>
-          <a:stretch>
-            <a:fillRect/>
-          </a:stretch>
-        </p:blipFill>
-        <p:spPr bwMode="auto">
-          <a:xfrm>
-            <a:off x="5562600" y="4369850"/>
-            <a:ext cx="3214688" cy="1905000"/>
+            <a:off x="5410200" y="2362200"/>
+            <a:ext cx="3944583" cy="2343150"/>
           </a:xfrm>
           <a:prstGeom prst="rect">
             <a:avLst/>
